--- a/Presentation1.pptx
+++ b/Presentation1.pptx
@@ -104,6 +104,11 @@
       </a:defRPr>
     </a:lvl9pPr>
   </p:defaultTextStyle>
+  <p:extLst>
+    <p:ext uri="{EFAFB233-063F-42B5-8137-9DF3F51BA10A}">
+      <p15:sldGuideLst xmlns:p15="http://schemas.microsoft.com/office/powerpoint/2012/main"/>
+    </p:ext>
+  </p:extLst>
 </p:presentation>
 </file>
 
@@ -254,7 +259,7 @@
           <a:p>
             <a:fld id="{C38B52CF-6F36-407B-A114-492D12B5BBAD}" type="datetimeFigureOut">
               <a:rPr lang="en-US" smtClean="0"/>
-              <a:t>3/27/2023</a:t>
+              <a:t>3/30/2023</a:t>
             </a:fld>
             <a:endParaRPr lang="en-US"/>
           </a:p>
@@ -452,7 +457,7 @@
           <a:p>
             <a:fld id="{C38B52CF-6F36-407B-A114-492D12B5BBAD}" type="datetimeFigureOut">
               <a:rPr lang="en-US" smtClean="0"/>
-              <a:t>3/27/2023</a:t>
+              <a:t>3/30/2023</a:t>
             </a:fld>
             <a:endParaRPr lang="en-US"/>
           </a:p>
@@ -660,7 +665,7 @@
           <a:p>
             <a:fld id="{C38B52CF-6F36-407B-A114-492D12B5BBAD}" type="datetimeFigureOut">
               <a:rPr lang="en-US" smtClean="0"/>
-              <a:t>3/27/2023</a:t>
+              <a:t>3/30/2023</a:t>
             </a:fld>
             <a:endParaRPr lang="en-US"/>
           </a:p>
@@ -858,7 +863,7 @@
           <a:p>
             <a:fld id="{C38B52CF-6F36-407B-A114-492D12B5BBAD}" type="datetimeFigureOut">
               <a:rPr lang="en-US" smtClean="0"/>
-              <a:t>3/27/2023</a:t>
+              <a:t>3/30/2023</a:t>
             </a:fld>
             <a:endParaRPr lang="en-US"/>
           </a:p>
@@ -1133,7 +1138,7 @@
           <a:p>
             <a:fld id="{C38B52CF-6F36-407B-A114-492D12B5BBAD}" type="datetimeFigureOut">
               <a:rPr lang="en-US" smtClean="0"/>
-              <a:t>3/27/2023</a:t>
+              <a:t>3/30/2023</a:t>
             </a:fld>
             <a:endParaRPr lang="en-US"/>
           </a:p>
@@ -1398,7 +1403,7 @@
           <a:p>
             <a:fld id="{C38B52CF-6F36-407B-A114-492D12B5BBAD}" type="datetimeFigureOut">
               <a:rPr lang="en-US" smtClean="0"/>
-              <a:t>3/27/2023</a:t>
+              <a:t>3/30/2023</a:t>
             </a:fld>
             <a:endParaRPr lang="en-US"/>
           </a:p>
@@ -1810,7 +1815,7 @@
           <a:p>
             <a:fld id="{C38B52CF-6F36-407B-A114-492D12B5BBAD}" type="datetimeFigureOut">
               <a:rPr lang="en-US" smtClean="0"/>
-              <a:t>3/27/2023</a:t>
+              <a:t>3/30/2023</a:t>
             </a:fld>
             <a:endParaRPr lang="en-US"/>
           </a:p>
@@ -1951,7 +1956,7 @@
           <a:p>
             <a:fld id="{C38B52CF-6F36-407B-A114-492D12B5BBAD}" type="datetimeFigureOut">
               <a:rPr lang="en-US" smtClean="0"/>
-              <a:t>3/27/2023</a:t>
+              <a:t>3/30/2023</a:t>
             </a:fld>
             <a:endParaRPr lang="en-US"/>
           </a:p>
@@ -2064,7 +2069,7 @@
           <a:p>
             <a:fld id="{C38B52CF-6F36-407B-A114-492D12B5BBAD}" type="datetimeFigureOut">
               <a:rPr lang="en-US" smtClean="0"/>
-              <a:t>3/27/2023</a:t>
+              <a:t>3/30/2023</a:t>
             </a:fld>
             <a:endParaRPr lang="en-US"/>
           </a:p>
@@ -2375,7 +2380,7 @@
           <a:p>
             <a:fld id="{C38B52CF-6F36-407B-A114-492D12B5BBAD}" type="datetimeFigureOut">
               <a:rPr lang="en-US" smtClean="0"/>
-              <a:t>3/27/2023</a:t>
+              <a:t>3/30/2023</a:t>
             </a:fld>
             <a:endParaRPr lang="en-US"/>
           </a:p>
@@ -2663,7 +2668,7 @@
           <a:p>
             <a:fld id="{C38B52CF-6F36-407B-A114-492D12B5BBAD}" type="datetimeFigureOut">
               <a:rPr lang="en-US" smtClean="0"/>
-              <a:t>3/27/2023</a:t>
+              <a:t>3/30/2023</a:t>
             </a:fld>
             <a:endParaRPr lang="en-US"/>
           </a:p>
@@ -2904,7 +2909,7 @@
           <a:p>
             <a:fld id="{C38B52CF-6F36-407B-A114-492D12B5BBAD}" type="datetimeFigureOut">
               <a:rPr lang="en-US" smtClean="0"/>
-              <a:t>3/27/2023</a:t>
+              <a:t>3/30/2023</a:t>
             </a:fld>
             <a:endParaRPr lang="en-US"/>
           </a:p>
@@ -4045,174 +4050,6 @@
       </p:graphicFrame>
       <p:graphicFrame>
         <p:nvGraphicFramePr>
-          <p:cNvPr id="8" name="Table 8">
-            <a:extLst>
-              <a:ext uri="{FF2B5EF4-FFF2-40B4-BE49-F238E27FC236}">
-                <a16:creationId xmlns:a16="http://schemas.microsoft.com/office/drawing/2014/main" id="{75FC137A-8F69-491E-B7F9-202E206F9297}"/>
-              </a:ext>
-            </a:extLst>
-          </p:cNvPr>
-          <p:cNvGraphicFramePr>
-            <a:graphicFrameLocks noGrp="1"/>
-          </p:cNvGraphicFramePr>
-          <p:nvPr>
-            <p:extLst>
-              <p:ext uri="{D42A27DB-BD31-4B8C-83A1-F6EECF244321}">
-                <p14:modId xmlns:p14="http://schemas.microsoft.com/office/powerpoint/2010/main" val="3594316733"/>
-              </p:ext>
-            </p:extLst>
-          </p:nvPr>
-        </p:nvGraphicFramePr>
-        <p:xfrm>
-          <a:off x="9403725" y="262467"/>
-          <a:ext cx="2301741" cy="1854200"/>
-        </p:xfrm>
-        <a:graphic>
-          <a:graphicData uri="http://schemas.openxmlformats.org/drawingml/2006/table">
-            <a:tbl>
-              <a:tblPr firstRow="1" bandRow="1">
-                <a:tableStyleId>{5C22544A-7EE6-4342-B048-85BDC9FD1C3A}</a:tableStyleId>
-              </a:tblPr>
-              <a:tblGrid>
-                <a:gridCol w="2301741">
-                  <a:extLst>
-                    <a:ext uri="{9D8B030D-6E8A-4147-A177-3AD203B41FA5}">
-                      <a16:colId xmlns:a16="http://schemas.microsoft.com/office/drawing/2014/main" val="2937261403"/>
-                    </a:ext>
-                  </a:extLst>
-                </a:gridCol>
-              </a:tblGrid>
-              <a:tr h="370840">
-                <a:tc>
-                  <a:txBody>
-                    <a:bodyPr/>
-                    <a:lstStyle/>
-                    <a:p>
-                      <a:r>
-                        <a:rPr lang="en-US" dirty="0" err="1"/>
-                        <a:t>DeskArangement</a:t>
-                      </a:r>
-                      <a:endParaRPr lang="en-US" dirty="0"/>
-                    </a:p>
-                  </a:txBody>
-                  <a:tcPr/>
-                </a:tc>
-                <a:extLst>
-                  <a:ext uri="{0D108BD9-81ED-4DB2-BD59-A6C34878D82A}">
-                    <a16:rowId xmlns:a16="http://schemas.microsoft.com/office/drawing/2014/main" val="2660480180"/>
-                  </a:ext>
-                </a:extLst>
-              </a:tr>
-              <a:tr h="370840">
-                <a:tc>
-                  <a:txBody>
-                    <a:bodyPr/>
-                    <a:lstStyle/>
-                    <a:p>
-                      <a:r>
-                        <a:rPr lang="en-US" dirty="0"/>
-                        <a:t>-</a:t>
-                      </a:r>
-                      <a:r>
-                        <a:rPr lang="en-US" dirty="0" err="1"/>
-                        <a:t>desk_id</a:t>
-                      </a:r>
-                      <a:r>
-                        <a:rPr lang="en-US" dirty="0"/>
-                        <a:t> INT (FK)</a:t>
-                      </a:r>
-                    </a:p>
-                  </a:txBody>
-                  <a:tcPr/>
-                </a:tc>
-                <a:extLst>
-                  <a:ext uri="{0D108BD9-81ED-4DB2-BD59-A6C34878D82A}">
-                    <a16:rowId xmlns:a16="http://schemas.microsoft.com/office/drawing/2014/main" val="1817047020"/>
-                  </a:ext>
-                </a:extLst>
-              </a:tr>
-              <a:tr h="370840">
-                <a:tc>
-                  <a:txBody>
-                    <a:bodyPr/>
-                    <a:lstStyle/>
-                    <a:p>
-                      <a:r>
-                        <a:rPr lang="en-US" dirty="0"/>
-                        <a:t>-</a:t>
-                      </a:r>
-                      <a:r>
-                        <a:rPr lang="en-US" dirty="0" err="1"/>
-                        <a:t>position_x</a:t>
-                      </a:r>
-                      <a:r>
-                        <a:rPr lang="en-US" dirty="0"/>
-                        <a:t> INT</a:t>
-                      </a:r>
-                    </a:p>
-                  </a:txBody>
-                  <a:tcPr/>
-                </a:tc>
-                <a:extLst>
-                  <a:ext uri="{0D108BD9-81ED-4DB2-BD59-A6C34878D82A}">
-                    <a16:rowId xmlns:a16="http://schemas.microsoft.com/office/drawing/2014/main" val="1191808800"/>
-                  </a:ext>
-                </a:extLst>
-              </a:tr>
-              <a:tr h="370840">
-                <a:tc>
-                  <a:txBody>
-                    <a:bodyPr/>
-                    <a:lstStyle/>
-                    <a:p>
-                      <a:r>
-                        <a:rPr lang="en-US" dirty="0"/>
-                        <a:t>-</a:t>
-                      </a:r>
-                      <a:r>
-                        <a:rPr lang="en-US" dirty="0" err="1"/>
-                        <a:t>position_y</a:t>
-                      </a:r>
-                      <a:r>
-                        <a:rPr lang="en-US" dirty="0"/>
-                        <a:t> INT</a:t>
-                      </a:r>
-                    </a:p>
-                  </a:txBody>
-                  <a:tcPr/>
-                </a:tc>
-                <a:extLst>
-                  <a:ext uri="{0D108BD9-81ED-4DB2-BD59-A6C34878D82A}">
-                    <a16:rowId xmlns:a16="http://schemas.microsoft.com/office/drawing/2014/main" val="3493729638"/>
-                  </a:ext>
-                </a:extLst>
-              </a:tr>
-              <a:tr h="370840">
-                <a:tc>
-                  <a:txBody>
-                    <a:bodyPr/>
-                    <a:lstStyle/>
-                    <a:p>
-                      <a:r>
-                        <a:rPr lang="en-US" dirty="0"/>
-                        <a:t>-orientation STRING</a:t>
-                      </a:r>
-                    </a:p>
-                  </a:txBody>
-                  <a:tcPr/>
-                </a:tc>
-                <a:extLst>
-                  <a:ext uri="{0D108BD9-81ED-4DB2-BD59-A6C34878D82A}">
-                    <a16:rowId xmlns:a16="http://schemas.microsoft.com/office/drawing/2014/main" val="818022631"/>
-                  </a:ext>
-                </a:extLst>
-              </a:tr>
-            </a:tbl>
-          </a:graphicData>
-        </a:graphic>
-      </p:graphicFrame>
-      <p:graphicFrame>
-        <p:nvGraphicFramePr>
           <p:cNvPr id="9" name="Table 9">
             <a:extLst>
               <a:ext uri="{FF2B5EF4-FFF2-40B4-BE49-F238E27FC236}">
@@ -4719,170 +4556,12 @@
         <p:spPr>
           <a:xfrm>
             <a:off x="3139247" y="968400"/>
-            <a:ext cx="914234" cy="0"/>
+            <a:ext cx="396433" cy="0"/>
           </a:xfrm>
           <a:prstGeom prst="line">
             <a:avLst/>
           </a:prstGeom>
           <a:ln w="15875"/>
-        </p:spPr>
-        <p:style>
-          <a:lnRef idx="1">
-            <a:schemeClr val="dk1"/>
-          </a:lnRef>
-          <a:fillRef idx="0">
-            <a:schemeClr val="dk1"/>
-          </a:fillRef>
-          <a:effectRef idx="0">
-            <a:schemeClr val="dk1"/>
-          </a:effectRef>
-          <a:fontRef idx="minor">
-            <a:schemeClr val="tx1"/>
-          </a:fontRef>
-        </p:style>
-      </p:cxnSp>
-      <p:cxnSp>
-        <p:nvCxnSpPr>
-          <p:cNvPr id="48" name="Straight Connector 47">
-            <a:extLst>
-              <a:ext uri="{FF2B5EF4-FFF2-40B4-BE49-F238E27FC236}">
-                <a16:creationId xmlns:a16="http://schemas.microsoft.com/office/drawing/2014/main" id="{EDC13CE3-B3FA-4523-ADAB-4EA3F37D8832}"/>
-              </a:ext>
-            </a:extLst>
-          </p:cNvPr>
-          <p:cNvCxnSpPr>
-            <a:cxnSpLocks/>
-          </p:cNvCxnSpPr>
-          <p:nvPr/>
-        </p:nvCxnSpPr>
-        <p:spPr>
-          <a:xfrm>
-            <a:off x="4053481" y="278457"/>
-            <a:ext cx="0" cy="696294"/>
-          </a:xfrm>
-          <a:prstGeom prst="line">
-            <a:avLst/>
-          </a:prstGeom>
-          <a:ln w="15875"/>
-        </p:spPr>
-        <p:style>
-          <a:lnRef idx="1">
-            <a:schemeClr val="dk1"/>
-          </a:lnRef>
-          <a:fillRef idx="0">
-            <a:schemeClr val="dk1"/>
-          </a:fillRef>
-          <a:effectRef idx="0">
-            <a:schemeClr val="dk1"/>
-          </a:effectRef>
-          <a:fontRef idx="minor">
-            <a:schemeClr val="tx1"/>
-          </a:fontRef>
-        </p:style>
-      </p:cxnSp>
-      <p:cxnSp>
-        <p:nvCxnSpPr>
-          <p:cNvPr id="50" name="Straight Connector 49">
-            <a:extLst>
-              <a:ext uri="{FF2B5EF4-FFF2-40B4-BE49-F238E27FC236}">
-                <a16:creationId xmlns:a16="http://schemas.microsoft.com/office/drawing/2014/main" id="{638D3037-D147-40E2-894A-C548BE5B014B}"/>
-              </a:ext>
-            </a:extLst>
-          </p:cNvPr>
-          <p:cNvCxnSpPr>
-            <a:cxnSpLocks/>
-          </p:cNvCxnSpPr>
-          <p:nvPr/>
-        </p:nvCxnSpPr>
-        <p:spPr>
-          <a:xfrm>
-            <a:off x="4044579" y="278457"/>
-            <a:ext cx="4343771" cy="0"/>
-          </a:xfrm>
-          <a:prstGeom prst="line">
-            <a:avLst/>
-          </a:prstGeom>
-          <a:ln w="15875"/>
-        </p:spPr>
-        <p:style>
-          <a:lnRef idx="1">
-            <a:schemeClr val="dk1"/>
-          </a:lnRef>
-          <a:fillRef idx="0">
-            <a:schemeClr val="dk1"/>
-          </a:fillRef>
-          <a:effectRef idx="0">
-            <a:schemeClr val="dk1"/>
-          </a:effectRef>
-          <a:fontRef idx="minor">
-            <a:schemeClr val="tx1"/>
-          </a:fontRef>
-        </p:style>
-      </p:cxnSp>
-      <p:cxnSp>
-        <p:nvCxnSpPr>
-          <p:cNvPr id="52" name="Straight Connector 51">
-            <a:extLst>
-              <a:ext uri="{FF2B5EF4-FFF2-40B4-BE49-F238E27FC236}">
-                <a16:creationId xmlns:a16="http://schemas.microsoft.com/office/drawing/2014/main" id="{05503B30-E2AD-417A-9A21-F4AE804FFFBA}"/>
-              </a:ext>
-            </a:extLst>
-          </p:cNvPr>
-          <p:cNvCxnSpPr>
-            <a:cxnSpLocks/>
-          </p:cNvCxnSpPr>
-          <p:nvPr/>
-        </p:nvCxnSpPr>
-        <p:spPr>
-          <a:xfrm>
-            <a:off x="8388350" y="272106"/>
-            <a:ext cx="0" cy="554566"/>
-          </a:xfrm>
-          <a:prstGeom prst="line">
-            <a:avLst/>
-          </a:prstGeom>
-          <a:ln w="15875"/>
-        </p:spPr>
-        <p:style>
-          <a:lnRef idx="1">
-            <a:schemeClr val="dk1"/>
-          </a:lnRef>
-          <a:fillRef idx="0">
-            <a:schemeClr val="dk1"/>
-          </a:fillRef>
-          <a:effectRef idx="0">
-            <a:schemeClr val="dk1"/>
-          </a:effectRef>
-          <a:fontRef idx="minor">
-            <a:schemeClr val="tx1"/>
-          </a:fontRef>
-        </p:style>
-      </p:cxnSp>
-      <p:cxnSp>
-        <p:nvCxnSpPr>
-          <p:cNvPr id="54" name="Straight Arrow Connector 53">
-            <a:extLst>
-              <a:ext uri="{FF2B5EF4-FFF2-40B4-BE49-F238E27FC236}">
-                <a16:creationId xmlns:a16="http://schemas.microsoft.com/office/drawing/2014/main" id="{A782BB4E-19A2-4DB0-AF18-5DBE4C9DD843}"/>
-              </a:ext>
-            </a:extLst>
-          </p:cNvPr>
-          <p:cNvCxnSpPr>
-            <a:cxnSpLocks/>
-          </p:cNvCxnSpPr>
-          <p:nvPr/>
-        </p:nvCxnSpPr>
-        <p:spPr>
-          <a:xfrm>
-            <a:off x="8388350" y="826672"/>
-            <a:ext cx="1015375" cy="0"/>
-          </a:xfrm>
-          <a:prstGeom prst="straightConnector1">
-            <a:avLst/>
-          </a:prstGeom>
-          <a:ln w="15875">
-            <a:tailEnd type="triangle"/>
-          </a:ln>
         </p:spPr>
         <p:style>
           <a:lnRef idx="1">

--- a/Presentation1.pptx
+++ b/Presentation1.pptx
@@ -259,7 +259,7 @@
           <a:p>
             <a:fld id="{C38B52CF-6F36-407B-A114-492D12B5BBAD}" type="datetimeFigureOut">
               <a:rPr lang="en-US" smtClean="0"/>
-              <a:t>3/30/2023</a:t>
+              <a:t>4/4/2023</a:t>
             </a:fld>
             <a:endParaRPr lang="en-US"/>
           </a:p>
@@ -457,7 +457,7 @@
           <a:p>
             <a:fld id="{C38B52CF-6F36-407B-A114-492D12B5BBAD}" type="datetimeFigureOut">
               <a:rPr lang="en-US" smtClean="0"/>
-              <a:t>3/30/2023</a:t>
+              <a:t>4/4/2023</a:t>
             </a:fld>
             <a:endParaRPr lang="en-US"/>
           </a:p>
@@ -665,7 +665,7 @@
           <a:p>
             <a:fld id="{C38B52CF-6F36-407B-A114-492D12B5BBAD}" type="datetimeFigureOut">
               <a:rPr lang="en-US" smtClean="0"/>
-              <a:t>3/30/2023</a:t>
+              <a:t>4/4/2023</a:t>
             </a:fld>
             <a:endParaRPr lang="en-US"/>
           </a:p>
@@ -863,7 +863,7 @@
           <a:p>
             <a:fld id="{C38B52CF-6F36-407B-A114-492D12B5BBAD}" type="datetimeFigureOut">
               <a:rPr lang="en-US" smtClean="0"/>
-              <a:t>3/30/2023</a:t>
+              <a:t>4/4/2023</a:t>
             </a:fld>
             <a:endParaRPr lang="en-US"/>
           </a:p>
@@ -1138,7 +1138,7 @@
           <a:p>
             <a:fld id="{C38B52CF-6F36-407B-A114-492D12B5BBAD}" type="datetimeFigureOut">
               <a:rPr lang="en-US" smtClean="0"/>
-              <a:t>3/30/2023</a:t>
+              <a:t>4/4/2023</a:t>
             </a:fld>
             <a:endParaRPr lang="en-US"/>
           </a:p>
@@ -1403,7 +1403,7 @@
           <a:p>
             <a:fld id="{C38B52CF-6F36-407B-A114-492D12B5BBAD}" type="datetimeFigureOut">
               <a:rPr lang="en-US" smtClean="0"/>
-              <a:t>3/30/2023</a:t>
+              <a:t>4/4/2023</a:t>
             </a:fld>
             <a:endParaRPr lang="en-US"/>
           </a:p>
@@ -1815,7 +1815,7 @@
           <a:p>
             <a:fld id="{C38B52CF-6F36-407B-A114-492D12B5BBAD}" type="datetimeFigureOut">
               <a:rPr lang="en-US" smtClean="0"/>
-              <a:t>3/30/2023</a:t>
+              <a:t>4/4/2023</a:t>
             </a:fld>
             <a:endParaRPr lang="en-US"/>
           </a:p>
@@ -1956,7 +1956,7 @@
           <a:p>
             <a:fld id="{C38B52CF-6F36-407B-A114-492D12B5BBAD}" type="datetimeFigureOut">
               <a:rPr lang="en-US" smtClean="0"/>
-              <a:t>3/30/2023</a:t>
+              <a:t>4/4/2023</a:t>
             </a:fld>
             <a:endParaRPr lang="en-US"/>
           </a:p>
@@ -2069,7 +2069,7 @@
           <a:p>
             <a:fld id="{C38B52CF-6F36-407B-A114-492D12B5BBAD}" type="datetimeFigureOut">
               <a:rPr lang="en-US" smtClean="0"/>
-              <a:t>3/30/2023</a:t>
+              <a:t>4/4/2023</a:t>
             </a:fld>
             <a:endParaRPr lang="en-US"/>
           </a:p>
@@ -2380,7 +2380,7 @@
           <a:p>
             <a:fld id="{C38B52CF-6F36-407B-A114-492D12B5BBAD}" type="datetimeFigureOut">
               <a:rPr lang="en-US" smtClean="0"/>
-              <a:t>3/30/2023</a:t>
+              <a:t>4/4/2023</a:t>
             </a:fld>
             <a:endParaRPr lang="en-US"/>
           </a:p>
@@ -2668,7 +2668,7 @@
           <a:p>
             <a:fld id="{C38B52CF-6F36-407B-A114-492D12B5BBAD}" type="datetimeFigureOut">
               <a:rPr lang="en-US" smtClean="0"/>
-              <a:t>3/30/2023</a:t>
+              <a:t>4/4/2023</a:t>
             </a:fld>
             <a:endParaRPr lang="en-US"/>
           </a:p>
@@ -2909,7 +2909,7 @@
           <a:p>
             <a:fld id="{C38B52CF-6F36-407B-A114-492D12B5BBAD}" type="datetimeFigureOut">
               <a:rPr lang="en-US" smtClean="0"/>
-              <a:t>3/30/2023</a:t>
+              <a:t>4/4/2023</a:t>
             </a:fld>
             <a:endParaRPr lang="en-US"/>
           </a:p>
@@ -3341,14 +3341,14 @@
           <p:nvPr>
             <p:extLst>
               <p:ext uri="{D42A27DB-BD31-4B8C-83A1-F6EECF244321}">
-                <p14:modId xmlns:p14="http://schemas.microsoft.com/office/powerpoint/2010/main" val="3566171954"/>
+                <p14:modId xmlns:p14="http://schemas.microsoft.com/office/powerpoint/2010/main" val="3781216722"/>
               </p:ext>
             </p:extLst>
           </p:nvPr>
         </p:nvGraphicFramePr>
         <p:xfrm>
           <a:off x="946955" y="356864"/>
-          <a:ext cx="2211589" cy="2628102"/>
+          <a:ext cx="2211589" cy="3005159"/>
         </p:xfrm>
         <a:graphic>
           <a:graphicData uri="http://schemas.openxmlformats.org/drawingml/2006/table">
@@ -3402,6 +3402,34 @@
                 <a:extLst>
                   <a:ext uri="{0D108BD9-81ED-4DB2-BD59-A6C34878D82A}">
                     <a16:rowId xmlns:a16="http://schemas.microsoft.com/office/drawing/2014/main" val="840328347"/>
+                  </a:ext>
+                </a:extLst>
+              </a:tr>
+              <a:tr h="377057">
+                <a:tc>
+                  <a:txBody>
+                    <a:bodyPr/>
+                    <a:lstStyle/>
+                    <a:p>
+                      <a:r>
+                        <a:rPr lang="en-US" dirty="0"/>
+                        <a:t>-</a:t>
+                      </a:r>
+                      <a:r>
+                        <a:rPr lang="en-US" dirty="0" err="1"/>
+                        <a:t>roomId</a:t>
+                      </a:r>
+                      <a:r>
+                        <a:rPr lang="en-US" dirty="0"/>
+                        <a:t> INT</a:t>
+                      </a:r>
+                    </a:p>
+                  </a:txBody>
+                  <a:tcPr/>
+                </a:tc>
+                <a:extLst>
+                  <a:ext uri="{0D108BD9-81ED-4DB2-BD59-A6C34878D82A}">
+                    <a16:rowId xmlns:a16="http://schemas.microsoft.com/office/drawing/2014/main" val="3710947221"/>
                   </a:ext>
                 </a:extLst>
               </a:tr>
@@ -3892,14 +3920,14 @@
           <p:nvPr>
             <p:extLst>
               <p:ext uri="{D42A27DB-BD31-4B8C-83A1-F6EECF244321}">
-                <p14:modId xmlns:p14="http://schemas.microsoft.com/office/powerpoint/2010/main" val="2971052054"/>
+                <p14:modId xmlns:p14="http://schemas.microsoft.com/office/powerpoint/2010/main" val="2462265916"/>
               </p:ext>
             </p:extLst>
           </p:nvPr>
         </p:nvGraphicFramePr>
         <p:xfrm>
-          <a:off x="1181995" y="4404968"/>
-          <a:ext cx="1986208" cy="2268564"/>
+          <a:off x="946955" y="4733338"/>
+          <a:ext cx="1986208" cy="1890470"/>
         </p:xfrm>
         <a:graphic>
           <a:graphicData uri="http://schemas.openxmlformats.org/drawingml/2006/table">
@@ -3993,34 +4021,6 @@
                 <a:extLst>
                   <a:ext uri="{0D108BD9-81ED-4DB2-BD59-A6C34878D82A}">
                     <a16:rowId xmlns:a16="http://schemas.microsoft.com/office/drawing/2014/main" val="1597335023"/>
-                  </a:ext>
-                </a:extLst>
-              </a:tr>
-              <a:tr h="378094">
-                <a:tc>
-                  <a:txBody>
-                    <a:bodyPr/>
-                    <a:lstStyle/>
-                    <a:p>
-                      <a:r>
-                        <a:rPr lang="en-US" dirty="0"/>
-                        <a:t>-</a:t>
-                      </a:r>
-                      <a:r>
-                        <a:rPr lang="en-US" dirty="0" err="1"/>
-                        <a:t>deskList</a:t>
-                      </a:r>
-                      <a:r>
-                        <a:rPr lang="en-US" dirty="0"/>
-                        <a:t> LIST&lt;INT&gt;</a:t>
-                      </a:r>
-                    </a:p>
-                  </a:txBody>
-                  <a:tcPr/>
-                </a:tc>
-                <a:extLst>
-                  <a:ext uri="{0D108BD9-81ED-4DB2-BD59-A6C34878D82A}">
-                    <a16:rowId xmlns:a16="http://schemas.microsoft.com/office/drawing/2014/main" val="2767642085"/>
                   </a:ext>
                 </a:extLst>
               </a:tr>
@@ -4241,7 +4241,7 @@
         </p:nvCxnSpPr>
         <p:spPr>
           <a:xfrm>
-            <a:off x="141668" y="907961"/>
+            <a:off x="141668" y="5286778"/>
             <a:ext cx="805287" cy="0"/>
           </a:xfrm>
           <a:prstGeom prst="line">
@@ -4273,13 +4273,15 @@
               </a:ext>
             </a:extLst>
           </p:cNvPr>
-          <p:cNvCxnSpPr/>
+          <p:cNvCxnSpPr>
+            <a:cxnSpLocks/>
+          </p:cNvCxnSpPr>
           <p:nvPr/>
         </p:nvCxnSpPr>
         <p:spPr>
           <a:xfrm>
-            <a:off x="141668" y="907961"/>
-            <a:ext cx="0" cy="5157792"/>
+            <a:off x="134148" y="1294130"/>
+            <a:ext cx="7521" cy="3992648"/>
           </a:xfrm>
           <a:prstGeom prst="line">
             <a:avLst/>
@@ -4310,13 +4312,15 @@
               </a:ext>
             </a:extLst>
           </p:cNvPr>
-          <p:cNvCxnSpPr/>
+          <p:cNvCxnSpPr>
+            <a:cxnSpLocks/>
+          </p:cNvCxnSpPr>
           <p:nvPr/>
         </p:nvCxnSpPr>
         <p:spPr>
           <a:xfrm>
-            <a:off x="141668" y="6065753"/>
-            <a:ext cx="1040327" cy="0"/>
+            <a:off x="141668" y="1294130"/>
+            <a:ext cx="805287" cy="0"/>
           </a:xfrm>
           <a:prstGeom prst="straightConnector1">
             <a:avLst/>
